--- a/毕业设计/圈圈.pptx
+++ b/毕业设计/圈圈.pptx
@@ -6,6 +6,8 @@
   </p:sldMasterIdLst>
   <p:sldIdLst>
     <p:sldId id="256" r:id="rId3"/>
+    <p:sldId id="258" r:id="rId4"/>
+    <p:sldId id="257" r:id="rId5"/>
   </p:sldIdLst>
   <p:sldSz cx="12192000" cy="6858000"/>
   <p:notesSz cx="7103745" cy="10234295"/>
@@ -2668,10 +2670,14 @@
         <p:txBody>
           <a:bodyPr/>
           <a:p>
+            <a:pPr algn="ctr"/>
             <a:r>
               <a:rPr lang="zh-CN" altLang="en-US"/>
               <a:t>圈圈</a:t>
             </a:r>
+            <a:br>
+              <a:rPr lang="zh-CN" altLang="en-US"/>
+            </a:br>
             <a:endParaRPr lang="zh-CN" altLang="en-US"/>
           </a:p>
         </p:txBody>
@@ -2690,10 +2696,365 @@
         <p:txBody>
           <a:bodyPr/>
           <a:p>
-            <a:endParaRPr lang="zh-CN" altLang="en-US"/>
-          </a:p>
-        </p:txBody>
-      </p:sp>
+            <a:pPr algn="l"/>
+            <a:r>
+              <a:rPr lang="en-US" altLang="zh-CN"/>
+              <a:t>	</a:t>
+            </a:r>
+            <a:r>
+              <a:rPr lang="zh-CN" altLang="en-US"/>
+              <a:t>参考了微信app的交互流程，实现一个Android平台及时通讯系统，实现各类型客户端之间的互操性功能，提供好友的实时状态，随时随地与他人进行即时通讯交流。</a:t>
+            </a:r>
+            <a:endParaRPr lang="zh-CN" altLang="en-US"/>
+          </a:p>
+        </p:txBody>
+      </p:sp>
+    </p:spTree>
+  </p:cSld>
+  <p:clrMapOvr>
+    <a:masterClrMapping/>
+  </p:clrMapOvr>
+</p:sld>
+</file>
+
+<file path=ppt/slides/slide2.xml><?xml version="1.0" encoding="utf-8"?>
+<p:sld xmlns:a="http://schemas.openxmlformats.org/drawingml/2006/main" xmlns:r="http://schemas.openxmlformats.org/officeDocument/2006/relationships" xmlns:p="http://schemas.openxmlformats.org/presentationml/2006/main">
+  <p:cSld>
+    <p:bg>
+      <p:bgPr>
+        <a:gradFill flip="none">
+          <a:gsLst>
+            <a:gs pos="0">
+              <a:schemeClr val="accent1">
+                <a:lumMod val="5000"/>
+                <a:lumOff val="95000"/>
+              </a:schemeClr>
+            </a:gs>
+            <a:gs pos="74000">
+              <a:schemeClr val="accent1">
+                <a:lumMod val="45000"/>
+                <a:lumOff val="55000"/>
+              </a:schemeClr>
+            </a:gs>
+            <a:gs pos="83000">
+              <a:schemeClr val="accent1">
+                <a:lumMod val="45000"/>
+                <a:lumOff val="55000"/>
+              </a:schemeClr>
+            </a:gs>
+            <a:gs pos="100000">
+              <a:schemeClr val="accent1">
+                <a:lumMod val="30000"/>
+                <a:lumOff val="70000"/>
+              </a:schemeClr>
+            </a:gs>
+          </a:gsLst>
+          <a:lin ang="5400000" scaled="0"/>
+        </a:gradFill>
+        <a:effectLst/>
+      </p:bgPr>
+    </p:bg>
+    <p:spTree>
+      <p:nvGrpSpPr>
+        <p:cNvPr id="1" name=""/>
+        <p:cNvGrpSpPr/>
+        <p:nvPr/>
+      </p:nvGrpSpPr>
+      <p:grpSpPr/>
+      <p:sp>
+        <p:nvSpPr>
+          <p:cNvPr id="2" name="标题 1"/>
+          <p:cNvSpPr>
+            <a:spLocks noGrp="1"/>
+          </p:cNvSpPr>
+          <p:nvPr>
+            <p:ph type="title"/>
+          </p:nvPr>
+        </p:nvSpPr>
+        <p:spPr/>
+        <p:txBody>
+          <a:bodyPr/>
+          <a:p>
+            <a:r>
+              <a:rPr lang="zh-CN" altLang="en-US"/>
+              <a:t>涉及语言技术、开发平台和第三方：</a:t>
+            </a:r>
+            <a:endParaRPr lang="zh-CN" altLang="en-US"/>
+          </a:p>
+        </p:txBody>
+      </p:sp>
+      <p:sp>
+        <p:nvSpPr>
+          <p:cNvPr id="3" name="内容占位符 2"/>
+          <p:cNvSpPr>
+            <a:spLocks noGrp="1"/>
+          </p:cNvSpPr>
+          <p:nvPr>
+            <p:ph idx="1"/>
+          </p:nvPr>
+        </p:nvSpPr>
+        <p:spPr/>
+        <p:txBody>
+          <a:bodyPr/>
+          <a:p>
+            <a:r>
+              <a:rPr lang="zh-CN" altLang="en-US"/>
+              <a:t>语言：</a:t>
+            </a:r>
+            <a:endParaRPr lang="zh-CN" altLang="en-US"/>
+          </a:p>
+          <a:p>
+            <a:pPr marL="457200" lvl="1" indent="0">
+              <a:buNone/>
+            </a:pPr>
+            <a:r>
+              <a:rPr lang="en-US" altLang="zh-CN"/>
+              <a:t>	JAVA</a:t>
+            </a:r>
+            <a:r>
+              <a:rPr lang="zh-CN" altLang="en-US"/>
+              <a:t>、</a:t>
+            </a:r>
+            <a:r>
+              <a:rPr lang="en-US" altLang="zh-CN"/>
+              <a:t>HTML</a:t>
+            </a:r>
+            <a:r>
+              <a:rPr lang="zh-CN" altLang="en-US"/>
+              <a:t>、</a:t>
+            </a:r>
+            <a:r>
+              <a:rPr lang="en-US" altLang="zh-CN"/>
+              <a:t>MY</a:t>
+            </a:r>
+            <a:r>
+              <a:rPr lang="en-US" altLang="zh-CN"/>
+              <a:t>SQL</a:t>
+            </a:r>
+            <a:r>
+              <a:rPr lang="zh-CN" altLang="en-US"/>
+              <a:t>、</a:t>
+            </a:r>
+            <a:r>
+              <a:rPr lang="en-US" altLang="zh-CN"/>
+              <a:t>C++</a:t>
+            </a:r>
+            <a:endParaRPr lang="en-US" altLang="zh-CN"/>
+          </a:p>
+          <a:p>
+            <a:pPr marL="457200" lvl="1" indent="0">
+              <a:buNone/>
+            </a:pPr>
+            <a:endParaRPr lang="en-US" altLang="zh-CN"/>
+          </a:p>
+          <a:p>
+            <a:r>
+              <a:rPr lang="zh-CN" altLang="en-US">
+                <a:sym typeface="+mn-ea"/>
+              </a:rPr>
+              <a:t>平台：</a:t>
+            </a:r>
+            <a:endParaRPr lang="zh-CN" altLang="en-US"/>
+          </a:p>
+          <a:p>
+            <a:pPr marL="0" indent="0">
+              <a:buNone/>
+            </a:pPr>
+            <a:r>
+              <a:rPr lang="en-US" altLang="zh-CN">
+                <a:sym typeface="+mn-ea"/>
+              </a:rPr>
+              <a:t>	Android Studio</a:t>
+            </a:r>
+            <a:r>
+              <a:rPr lang="zh-CN" altLang="en-US">
+                <a:sym typeface="+mn-ea"/>
+              </a:rPr>
+              <a:t>、</a:t>
+            </a:r>
+            <a:r>
+              <a:rPr lang="en-US" altLang="zh-CN">
+                <a:sym typeface="+mn-ea"/>
+              </a:rPr>
+              <a:t>Eclipse</a:t>
+            </a:r>
+            <a:r>
+              <a:rPr lang="zh-CN" altLang="en-US">
+                <a:sym typeface="+mn-ea"/>
+              </a:rPr>
+              <a:t>、</a:t>
+            </a:r>
+            <a:r>
+              <a:rPr lang="en-US" altLang="zh-CN">
+                <a:sym typeface="+mn-ea"/>
+              </a:rPr>
+              <a:t>JAVAEE</a:t>
+            </a:r>
+            <a:endParaRPr lang="zh-CN" altLang="en-US"/>
+          </a:p>
+          <a:p>
+            <a:endParaRPr lang="en-US" altLang="zh-CN"/>
+          </a:p>
+          <a:p>
+            <a:r>
+              <a:rPr lang="zh-CN" altLang="en-US"/>
+              <a:t>第三方：</a:t>
+            </a:r>
+            <a:endParaRPr lang="zh-CN" altLang="en-US"/>
+          </a:p>
+          <a:p>
+            <a:pPr marL="0" indent="0">
+              <a:buNone/>
+            </a:pPr>
+            <a:r>
+              <a:rPr lang="en-US" altLang="zh-CN"/>
+              <a:t>	</a:t>
+            </a:r>
+            <a:r>
+              <a:rPr lang="zh-CN" altLang="en-US"/>
+              <a:t>环信、百度地图</a:t>
+            </a:r>
+            <a:r>
+              <a:rPr lang="en-US" altLang="zh-CN"/>
+              <a:t>API</a:t>
+            </a:r>
+            <a:r>
+              <a:rPr lang="zh-CN" altLang="en-US"/>
+              <a:t>、友盟</a:t>
+            </a:r>
+            <a:endParaRPr lang="zh-CN" altLang="en-US"/>
+          </a:p>
+          <a:p>
+            <a:endParaRPr lang="zh-CN" altLang="en-US"/>
+          </a:p>
+        </p:txBody>
+      </p:sp>
+    </p:spTree>
+  </p:cSld>
+  <p:clrMapOvr>
+    <a:masterClrMapping/>
+  </p:clrMapOvr>
+</p:sld>
+</file>
+
+<file path=ppt/slides/slide3.xml><?xml version="1.0" encoding="utf-8"?>
+<p:sld xmlns:a="http://schemas.openxmlformats.org/drawingml/2006/main" xmlns:r="http://schemas.openxmlformats.org/officeDocument/2006/relationships" xmlns:p="http://schemas.openxmlformats.org/presentationml/2006/main">
+  <p:cSld>
+    <p:bg>
+      <p:bgPr>
+        <a:gradFill>
+          <a:gsLst>
+            <a:gs pos="0">
+              <a:schemeClr val="accent1">
+                <a:lumMod val="5000"/>
+                <a:lumOff val="95000"/>
+              </a:schemeClr>
+            </a:gs>
+            <a:gs pos="74000">
+              <a:schemeClr val="accent1">
+                <a:lumMod val="45000"/>
+                <a:lumOff val="55000"/>
+              </a:schemeClr>
+            </a:gs>
+            <a:gs pos="83000">
+              <a:schemeClr val="accent1">
+                <a:lumMod val="45000"/>
+                <a:lumOff val="55000"/>
+              </a:schemeClr>
+            </a:gs>
+            <a:gs pos="100000">
+              <a:schemeClr val="accent1">
+                <a:lumMod val="30000"/>
+                <a:lumOff val="70000"/>
+              </a:schemeClr>
+            </a:gs>
+          </a:gsLst>
+          <a:lin ang="5400000" scaled="0"/>
+        </a:gradFill>
+        <a:effectLst/>
+      </p:bgPr>
+    </p:bg>
+    <p:spTree>
+      <p:nvGrpSpPr>
+        <p:cNvPr id="1" name=""/>
+        <p:cNvGrpSpPr/>
+        <p:nvPr/>
+      </p:nvGrpSpPr>
+      <p:grpSpPr/>
+      <p:sp>
+        <p:nvSpPr>
+          <p:cNvPr id="2" name="标题 1"/>
+          <p:cNvSpPr>
+            <a:spLocks noGrp="1"/>
+          </p:cNvSpPr>
+          <p:nvPr>
+            <p:ph type="title"/>
+          </p:nvPr>
+        </p:nvSpPr>
+        <p:spPr>
+          <a:xfrm>
+            <a:off x="838200" y="185420"/>
+            <a:ext cx="10515600" cy="951865"/>
+          </a:xfrm>
+        </p:spPr>
+        <p:txBody>
+          <a:bodyPr/>
+          <a:p>
+            <a:r>
+              <a:rPr lang="zh-CN" altLang="en-US"/>
+              <a:t>项目结构：</a:t>
+            </a:r>
+            <a:endParaRPr lang="zh-CN" altLang="en-US"/>
+          </a:p>
+        </p:txBody>
+      </p:sp>
+      <p:sp>
+        <p:nvSpPr>
+          <p:cNvPr id="3" name="内容占位符 2"/>
+          <p:cNvSpPr>
+            <a:spLocks noGrp="1"/>
+          </p:cNvSpPr>
+          <p:nvPr>
+            <p:ph idx="1"/>
+          </p:nvPr>
+        </p:nvSpPr>
+        <p:spPr>
+          <a:xfrm>
+            <a:off x="838200" y="1231265"/>
+            <a:ext cx="10515600" cy="4946015"/>
+          </a:xfrm>
+        </p:spPr>
+        <p:txBody>
+          <a:bodyPr/>
+          <a:p>
+            <a:endParaRPr lang="zh-CN" altLang="en-US"/>
+          </a:p>
+        </p:txBody>
+      </p:sp>
+      <p:pic>
+        <p:nvPicPr>
+          <p:cNvPr id="4" name="图片 3" descr="app"/>
+          <p:cNvPicPr>
+            <a:picLocks noChangeAspect="1"/>
+          </p:cNvPicPr>
+          <p:nvPr/>
+        </p:nvPicPr>
+        <p:blipFill>
+          <a:blip r:embed="rId1"/>
+          <a:stretch>
+            <a:fillRect/>
+          </a:stretch>
+        </p:blipFill>
+        <p:spPr>
+          <a:xfrm>
+            <a:off x="748665" y="1051560"/>
+            <a:ext cx="10971530" cy="5373370"/>
+          </a:xfrm>
+          <a:prstGeom prst="rect">
+            <a:avLst/>
+          </a:prstGeom>
+        </p:spPr>
+      </p:pic>
     </p:spTree>
   </p:cSld>
   <p:clrMapOvr>
